--- a/MECE.pptx
+++ b/MECE.pptx
@@ -7,6 +7,7 @@
   <p:sldIdLst>
     <p:sldId id="256" r:id="rId2"/>
     <p:sldId id="257" r:id="rId3"/>
+    <p:sldId id="258" r:id="rId4"/>
   </p:sldIdLst>
   <p:sldSz cx="12192000" cy="6858000"/>
   <p:notesSz cx="6858000" cy="9144000"/>
@@ -105,6 +106,11 @@
       </a:defRPr>
     </a:lvl9pPr>
   </p:defaultTextStyle>
+  <p:extLst>
+    <p:ext uri="{EFAFB233-063F-42B5-8137-9DF3F51BA10A}">
+      <p15:sldGuideLst xmlns:p15="http://schemas.microsoft.com/office/powerpoint/2012/main"/>
+    </p:ext>
+  </p:extLst>
 </p:presentation>
 </file>
 
@@ -4127,8 +4133,8 @@
         </p:nvSpPr>
         <p:spPr>
           <a:xfrm>
-            <a:off x="1058779" y="2945331"/>
-            <a:ext cx="1615243" cy="731520"/>
+            <a:off x="1058779" y="2824607"/>
+            <a:ext cx="1615243" cy="1003040"/>
           </a:xfrm>
           <a:prstGeom prst="roundRect">
             <a:avLst/>
@@ -4156,8 +4162,15 @@
           <a:p>
             <a:pPr algn="ctr"/>
             <a:r>
-              <a:rPr lang="en-IN" dirty="0"/>
+              <a:rPr lang="en-IN" sz="1600" dirty="0"/>
               <a:t>Based On demographics</a:t>
+            </a:r>
+          </a:p>
+          <a:p>
+            <a:pPr algn="ctr"/>
+            <a:r>
+              <a:rPr lang="en-IN" sz="1600" dirty="0"/>
+              <a:t>Gender, Age, language</a:t>
             </a:r>
           </a:p>
         </p:txBody>
@@ -4176,8 +4189,8 @@
         </p:nvSpPr>
         <p:spPr>
           <a:xfrm>
-            <a:off x="1058779" y="3819626"/>
-            <a:ext cx="1615243" cy="731520"/>
+            <a:off x="1050253" y="4001797"/>
+            <a:ext cx="1615243" cy="545260"/>
           </a:xfrm>
           <a:prstGeom prst="roundRect">
             <a:avLst/>
@@ -4205,7 +4218,7 @@
           <a:p>
             <a:pPr algn="ctr"/>
             <a:r>
-              <a:rPr lang="en-IN" dirty="0"/>
+              <a:rPr lang="en-IN" sz="1600" dirty="0"/>
               <a:t>Preferences</a:t>
             </a:r>
           </a:p>
@@ -4225,7 +4238,7 @@
         </p:nvSpPr>
         <p:spPr>
           <a:xfrm>
-            <a:off x="1058778" y="4795389"/>
+            <a:off x="1064939" y="4719155"/>
             <a:ext cx="1615243" cy="731520"/>
           </a:xfrm>
           <a:prstGeom prst="roundRect">
@@ -4254,7 +4267,7 @@
           <a:p>
             <a:pPr algn="ctr"/>
             <a:r>
-              <a:rPr lang="en-IN" dirty="0"/>
+              <a:rPr lang="en-IN" sz="1600" dirty="0"/>
               <a:t>Rental behaviour of Customer</a:t>
             </a:r>
           </a:p>
@@ -4303,7 +4316,7 @@
           <a:p>
             <a:pPr algn="ctr"/>
             <a:r>
-              <a:rPr lang="en-IN" dirty="0"/>
+              <a:rPr lang="en-IN" sz="1600" dirty="0"/>
               <a:t>Revenue Analysis Based On Customer </a:t>
             </a:r>
           </a:p>
@@ -4364,14 +4377,14 @@
             </a:extLst>
           </p:cNvPr>
           <p:cNvCxnSpPr>
-            <a:endCxn id="47" idx="1"/>
+            <a:cxnSpLocks/>
           </p:cNvCxnSpPr>
           <p:nvPr/>
         </p:nvCxnSpPr>
         <p:spPr>
           <a:xfrm>
-            <a:off x="702644" y="3311091"/>
-            <a:ext cx="356135" cy="0"/>
+            <a:off x="715320" y="3252869"/>
+            <a:ext cx="352280" cy="0"/>
           </a:xfrm>
           <a:prstGeom prst="straightConnector1">
             <a:avLst/>
@@ -4404,13 +4417,16 @@
               </a:ext>
             </a:extLst>
           </p:cNvPr>
-          <p:cNvCxnSpPr/>
+          <p:cNvCxnSpPr>
+            <a:cxnSpLocks/>
+            <a:endCxn id="49" idx="1"/>
+          </p:cNvCxnSpPr>
           <p:nvPr/>
         </p:nvCxnSpPr>
         <p:spPr>
           <a:xfrm>
-            <a:off x="702642" y="4193408"/>
-            <a:ext cx="356135" cy="0"/>
+            <a:off x="715320" y="4274427"/>
+            <a:ext cx="334933" cy="0"/>
           </a:xfrm>
           <a:prstGeom prst="straightConnector1">
             <a:avLst/>
@@ -4443,13 +4459,16 @@
               </a:ext>
             </a:extLst>
           </p:cNvPr>
-          <p:cNvCxnSpPr/>
+          <p:cNvCxnSpPr>
+            <a:cxnSpLocks/>
+            <a:endCxn id="50" idx="1"/>
+          </p:cNvCxnSpPr>
           <p:nvPr/>
         </p:nvCxnSpPr>
         <p:spPr>
           <a:xfrm>
-            <a:off x="725100" y="5161149"/>
-            <a:ext cx="356135" cy="0"/>
+            <a:off x="697973" y="5084915"/>
+            <a:ext cx="366966" cy="0"/>
           </a:xfrm>
           <a:prstGeom prst="straightConnector1">
             <a:avLst/>
@@ -4516,8 +4535,8 @@
           <a:p>
             <a:pPr algn="ctr"/>
             <a:r>
-              <a:rPr lang="en-IN" dirty="0"/>
-              <a:t>Rating Wise or Category Wise Analysis</a:t>
+              <a:rPr lang="en-IN" sz="1600" dirty="0"/>
+              <a:t>Analyse Rental Patterns over time</a:t>
             </a:r>
           </a:p>
         </p:txBody>
@@ -4536,7 +4555,7 @@
         </p:nvSpPr>
         <p:spPr>
           <a:xfrm>
-            <a:off x="3408708" y="3830655"/>
+            <a:off x="3398181" y="3749336"/>
             <a:ext cx="1615243" cy="883492"/>
           </a:xfrm>
           <a:prstGeom prst="roundRect">
@@ -4565,14 +4584,14 @@
           <a:p>
             <a:pPr algn="ctr"/>
             <a:r>
-              <a:rPr lang="en-IN" dirty="0"/>
+              <a:rPr lang="en-IN" sz="1600" dirty="0"/>
               <a:t>Peak Periods,</a:t>
             </a:r>
           </a:p>
           <a:p>
             <a:pPr algn="ctr"/>
             <a:r>
-              <a:rPr lang="en-IN" dirty="0"/>
+              <a:rPr lang="en-IN" sz="1600" dirty="0"/>
               <a:t>Fluctuations In demand</a:t>
             </a:r>
           </a:p>
@@ -4592,8 +4611,8 @@
         </p:nvSpPr>
         <p:spPr>
           <a:xfrm>
-            <a:off x="3413244" y="4968643"/>
-            <a:ext cx="1615243" cy="731520"/>
+            <a:off x="3415228" y="5771152"/>
+            <a:ext cx="1615243" cy="931686"/>
           </a:xfrm>
           <a:prstGeom prst="roundRect">
             <a:avLst/>
@@ -4621,8 +4640,8 @@
           <a:p>
             <a:pPr algn="ctr"/>
             <a:r>
-              <a:rPr lang="en-IN" dirty="0"/>
-              <a:t>Based On demographics</a:t>
+              <a:rPr lang="en-IN" sz="1600" dirty="0"/>
+              <a:t>Categorize the films and evaluate pricing strategies</a:t>
             </a:r>
           </a:p>
         </p:txBody>
@@ -4644,8 +4663,8 @@
         </p:nvCxnSpPr>
         <p:spPr>
           <a:xfrm rot="16200000" flipH="1">
-            <a:off x="1483214" y="3404373"/>
-            <a:ext cx="3364216" cy="495844"/>
+            <a:off x="1256041" y="4077808"/>
+            <a:ext cx="3822530" cy="495844"/>
           </a:xfrm>
           <a:prstGeom prst="bentConnector2">
             <a:avLst/>
@@ -4769,8 +4788,8 @@
         </p:nvCxnSpPr>
         <p:spPr>
           <a:xfrm rot="16200000" flipH="1">
-            <a:off x="3670645" y="3873702"/>
-            <a:ext cx="3621622" cy="468048"/>
+            <a:off x="3532446" y="3994392"/>
+            <a:ext cx="3825252" cy="418954"/>
           </a:xfrm>
           <a:prstGeom prst="bentConnector2">
             <a:avLst/>
@@ -4808,8 +4827,8 @@
         </p:nvSpPr>
         <p:spPr>
           <a:xfrm>
-            <a:off x="5629729" y="2824606"/>
-            <a:ext cx="1615243" cy="731520"/>
+            <a:off x="5629729" y="2704645"/>
+            <a:ext cx="1615243" cy="903757"/>
           </a:xfrm>
           <a:prstGeom prst="roundRect">
             <a:avLst/>
@@ -4837,8 +4856,8 @@
           <a:p>
             <a:pPr algn="ctr"/>
             <a:r>
-              <a:rPr lang="en-IN" dirty="0"/>
-              <a:t>Distribution of Customers</a:t>
+              <a:rPr lang="en-IN" sz="1600" dirty="0"/>
+              <a:t>Distribution of Customers and stores and actors</a:t>
             </a:r>
           </a:p>
         </p:txBody>
@@ -4857,8 +4876,8 @@
         </p:nvSpPr>
         <p:spPr>
           <a:xfrm>
-            <a:off x="5629730" y="3701279"/>
-            <a:ext cx="1615243" cy="1459868"/>
+            <a:off x="5653330" y="3674169"/>
+            <a:ext cx="1615243" cy="978193"/>
           </a:xfrm>
           <a:prstGeom prst="roundRect">
             <a:avLst/>
@@ -4886,7 +4905,7 @@
           <a:p>
             <a:pPr algn="ctr"/>
             <a:r>
-              <a:rPr lang="en-IN" dirty="0"/>
+              <a:rPr lang="en-IN" sz="1600" dirty="0"/>
               <a:t>Store and rental activity across different Regions</a:t>
             </a:r>
           </a:p>
@@ -4906,8 +4925,8 @@
         </p:nvSpPr>
         <p:spPr>
           <a:xfrm>
-            <a:off x="5715480" y="5334402"/>
-            <a:ext cx="1615243" cy="1168269"/>
+            <a:off x="5654549" y="5756406"/>
+            <a:ext cx="1615243" cy="720178"/>
           </a:xfrm>
           <a:prstGeom prst="roundRect">
             <a:avLst/>
@@ -4935,7 +4954,7 @@
           <a:p>
             <a:pPr algn="ctr"/>
             <a:r>
-              <a:rPr lang="en-IN" dirty="0"/>
+              <a:rPr lang="en-IN" sz="1600" dirty="0"/>
               <a:t>Revenue Trends over City or Countries</a:t>
             </a:r>
           </a:p>
@@ -4957,8 +4976,8 @@
         </p:nvCxnSpPr>
         <p:spPr>
           <a:xfrm>
-            <a:off x="5247432" y="3101213"/>
-            <a:ext cx="391300" cy="0"/>
+            <a:off x="5241642" y="3156523"/>
+            <a:ext cx="385504" cy="0"/>
           </a:xfrm>
           <a:prstGeom prst="straightConnector1">
             <a:avLst/>
@@ -4993,13 +5012,14 @@
           </p:cNvPr>
           <p:cNvCxnSpPr>
             <a:cxnSpLocks/>
+            <a:endCxn id="82" idx="1"/>
           </p:cNvCxnSpPr>
           <p:nvPr/>
         </p:nvCxnSpPr>
         <p:spPr>
           <a:xfrm>
-            <a:off x="5247432" y="4005886"/>
-            <a:ext cx="391300" cy="0"/>
+            <a:off x="5245002" y="4163266"/>
+            <a:ext cx="408328" cy="0"/>
           </a:xfrm>
           <a:prstGeom prst="straightConnector1">
             <a:avLst/>
@@ -5040,7 +5060,7 @@
         </p:nvCxnSpPr>
         <p:spPr>
           <a:xfrm rot="16200000" flipH="1">
-            <a:off x="6400466" y="3380817"/>
+            <a:off x="6407195" y="3015100"/>
             <a:ext cx="2579378" cy="421582"/>
           </a:xfrm>
           <a:prstGeom prst="bentConnector2">
@@ -5121,7 +5141,7 @@
         </p:nvSpPr>
         <p:spPr>
           <a:xfrm>
-            <a:off x="7900946" y="4349673"/>
+            <a:off x="7907675" y="3983956"/>
             <a:ext cx="1615243" cy="1063248"/>
           </a:xfrm>
           <a:prstGeom prst="roundRect">
@@ -5150,7 +5170,7 @@
           <a:p>
             <a:pPr algn="ctr"/>
             <a:r>
-              <a:rPr lang="en-IN" dirty="0"/>
+              <a:rPr lang="en-IN" sz="1600" dirty="0"/>
               <a:t>Revenue Analysis of Customer  </a:t>
             </a:r>
           </a:p>
@@ -5170,8 +5190,8 @@
         </p:nvSpPr>
         <p:spPr>
           <a:xfrm>
-            <a:off x="7902025" y="2735452"/>
-            <a:ext cx="1615243" cy="1425977"/>
+            <a:off x="7902025" y="3092124"/>
+            <a:ext cx="1615243" cy="725925"/>
           </a:xfrm>
           <a:prstGeom prst="roundRect">
             <a:avLst/>
@@ -5199,8 +5219,8 @@
           <a:p>
             <a:pPr algn="ctr"/>
             <a:r>
-              <a:rPr lang="en-IN" dirty="0"/>
-              <a:t>Who will perform well by renting and maintain inventory </a:t>
+              <a:rPr lang="en-IN" sz="1600" dirty="0"/>
+              <a:t>Investigating Staff associated with Store</a:t>
             </a:r>
           </a:p>
         </p:txBody>
@@ -5289,8 +5309,8 @@
           <a:p>
             <a:pPr algn="ctr"/>
             <a:r>
-              <a:rPr lang="en-IN" dirty="0"/>
-              <a:t>Which store Have more Products And Maintain stock</a:t>
+              <a:rPr lang="en-IN" sz="1600" dirty="0"/>
+              <a:t>Analyse the discount and impact on rent of films</a:t>
             </a:r>
           </a:p>
         </p:txBody>
@@ -5338,7 +5358,7 @@
           <a:p>
             <a:pPr algn="ctr"/>
             <a:r>
-              <a:rPr lang="en-IN" dirty="0"/>
+              <a:rPr lang="en-IN" sz="1600" dirty="0"/>
               <a:t>Demand OF Films by store wise and  categories</a:t>
             </a:r>
           </a:p>
@@ -5358,8 +5378,8 @@
         </p:nvSpPr>
         <p:spPr>
           <a:xfrm>
-            <a:off x="10176260" y="2704646"/>
-            <a:ext cx="1615243" cy="731520"/>
+            <a:off x="10170097" y="2716983"/>
+            <a:ext cx="1615243" cy="957186"/>
           </a:xfrm>
           <a:prstGeom prst="roundRect">
             <a:avLst/>
@@ -5387,8 +5407,8 @@
           <a:p>
             <a:pPr algn="ctr"/>
             <a:r>
-              <a:rPr lang="en-IN" dirty="0"/>
-              <a:t>Which Store Perform Well </a:t>
+              <a:rPr lang="en-IN" sz="1600" dirty="0"/>
+              <a:t>Analyse the data and find Which Store Perform Well </a:t>
             </a:r>
           </a:p>
         </p:txBody>
@@ -5410,8 +5430,8 @@
         </p:nvCxnSpPr>
         <p:spPr>
           <a:xfrm>
-            <a:off x="9852388" y="3061026"/>
-            <a:ext cx="323872" cy="9380"/>
+            <a:off x="9840809" y="3186196"/>
+            <a:ext cx="329288" cy="9380"/>
           </a:xfrm>
           <a:prstGeom prst="straightConnector1">
             <a:avLst/>
@@ -5476,10 +5496,900 @@
           </a:fontRef>
         </p:style>
       </p:cxnSp>
+      <p:sp>
+        <p:nvSpPr>
+          <p:cNvPr id="18" name="Rectangle: Rounded Corners 17">
+            <a:extLst>
+              <a:ext uri="{FF2B5EF4-FFF2-40B4-BE49-F238E27FC236}">
+                <a16:creationId xmlns:a16="http://schemas.microsoft.com/office/drawing/2014/main" id="{7E68BC17-0A4A-C72F-D676-686F7423618E}"/>
+              </a:ext>
+            </a:extLst>
+          </p:cNvPr>
+          <p:cNvSpPr/>
+          <p:nvPr/>
+        </p:nvSpPr>
+        <p:spPr>
+          <a:xfrm>
+            <a:off x="3415228" y="4733472"/>
+            <a:ext cx="1615243" cy="937036"/>
+          </a:xfrm>
+          <a:prstGeom prst="roundRect">
+            <a:avLst/>
+          </a:prstGeom>
+        </p:spPr>
+        <p:style>
+          <a:lnRef idx="2">
+            <a:schemeClr val="accent1">
+              <a:shade val="15000"/>
+            </a:schemeClr>
+          </a:lnRef>
+          <a:fillRef idx="1">
+            <a:schemeClr val="accent1"/>
+          </a:fillRef>
+          <a:effectRef idx="0">
+            <a:schemeClr val="accent1"/>
+          </a:effectRef>
+          <a:fontRef idx="minor">
+            <a:schemeClr val="lt1"/>
+          </a:fontRef>
+        </p:style>
+        <p:txBody>
+          <a:bodyPr rtlCol="0" anchor="ctr"/>
+          <a:lstStyle/>
+          <a:p>
+            <a:pPr algn="ctr"/>
+            <a:r>
+              <a:rPr lang="en-IN" sz="1600" dirty="0"/>
+              <a:t>Identify the top Rented Films  and analyse the rent Trends</a:t>
+            </a:r>
+          </a:p>
+        </p:txBody>
+      </p:sp>
+      <p:cxnSp>
+        <p:nvCxnSpPr>
+          <p:cNvPr id="19" name="Straight Arrow Connector 18">
+            <a:extLst>
+              <a:ext uri="{FF2B5EF4-FFF2-40B4-BE49-F238E27FC236}">
+                <a16:creationId xmlns:a16="http://schemas.microsoft.com/office/drawing/2014/main" id="{22C88B4C-FEC3-0222-3ECD-10035E5DB7A2}"/>
+              </a:ext>
+            </a:extLst>
+          </p:cNvPr>
+          <p:cNvCxnSpPr>
+            <a:cxnSpLocks/>
+            <a:endCxn id="18" idx="1"/>
+          </p:cNvCxnSpPr>
+          <p:nvPr/>
+        </p:nvCxnSpPr>
+        <p:spPr>
+          <a:xfrm>
+            <a:off x="2899051" y="5201990"/>
+            <a:ext cx="516177" cy="0"/>
+          </a:xfrm>
+          <a:prstGeom prst="straightConnector1">
+            <a:avLst/>
+          </a:prstGeom>
+          <a:ln>
+            <a:tailEnd type="triangle"/>
+          </a:ln>
+        </p:spPr>
+        <p:style>
+          <a:lnRef idx="1">
+            <a:schemeClr val="accent1"/>
+          </a:lnRef>
+          <a:fillRef idx="0">
+            <a:schemeClr val="accent1"/>
+          </a:fillRef>
+          <a:effectRef idx="0">
+            <a:schemeClr val="accent1"/>
+          </a:effectRef>
+          <a:fontRef idx="minor">
+            <a:schemeClr val="tx1"/>
+          </a:fontRef>
+        </p:style>
+      </p:cxnSp>
+      <p:sp>
+        <p:nvSpPr>
+          <p:cNvPr id="34" name="Rectangle: Rounded Corners 33">
+            <a:extLst>
+              <a:ext uri="{FF2B5EF4-FFF2-40B4-BE49-F238E27FC236}">
+                <a16:creationId xmlns:a16="http://schemas.microsoft.com/office/drawing/2014/main" id="{418ADEF6-58CB-4C1C-A565-301A9FF808A3}"/>
+              </a:ext>
+            </a:extLst>
+          </p:cNvPr>
+          <p:cNvSpPr/>
+          <p:nvPr/>
+        </p:nvSpPr>
+        <p:spPr>
+          <a:xfrm>
+            <a:off x="5642139" y="4763599"/>
+            <a:ext cx="1615243" cy="720178"/>
+          </a:xfrm>
+          <a:prstGeom prst="roundRect">
+            <a:avLst/>
+          </a:prstGeom>
+        </p:spPr>
+        <p:style>
+          <a:lnRef idx="2">
+            <a:schemeClr val="accent1">
+              <a:shade val="15000"/>
+            </a:schemeClr>
+          </a:lnRef>
+          <a:fillRef idx="1">
+            <a:schemeClr val="accent1"/>
+          </a:fillRef>
+          <a:effectRef idx="0">
+            <a:schemeClr val="accent1"/>
+          </a:effectRef>
+          <a:fontRef idx="minor">
+            <a:schemeClr val="lt1"/>
+          </a:fontRef>
+        </p:style>
+        <p:txBody>
+          <a:bodyPr rtlCol="0" anchor="ctr"/>
+          <a:lstStyle/>
+          <a:p>
+            <a:pPr algn="ctr"/>
+            <a:r>
+              <a:rPr lang="en-IN" sz="1600" dirty="0"/>
+              <a:t>Identify the market  gaps </a:t>
+            </a:r>
+          </a:p>
+        </p:txBody>
+      </p:sp>
     </p:spTree>
     <p:extLst>
       <p:ext uri="{BB962C8B-B14F-4D97-AF65-F5344CB8AC3E}">
         <p14:creationId xmlns:p14="http://schemas.microsoft.com/office/powerpoint/2010/main" val="2024211950"/>
+      </p:ext>
+    </p:extLst>
+  </p:cSld>
+  <p:clrMapOvr>
+    <a:masterClrMapping/>
+  </p:clrMapOvr>
+</p:sld>
+</file>
+
+<file path=ppt/slides/slide3.xml><?xml version="1.0" encoding="utf-8"?>
+<p:sld xmlns:a="http://schemas.openxmlformats.org/drawingml/2006/main" xmlns:r="http://schemas.openxmlformats.org/officeDocument/2006/relationships" xmlns:p="http://schemas.openxmlformats.org/presentationml/2006/main">
+  <p:cSld>
+    <p:spTree>
+      <p:nvGrpSpPr>
+        <p:cNvPr id="1" name=""/>
+        <p:cNvGrpSpPr/>
+        <p:nvPr/>
+      </p:nvGrpSpPr>
+      <p:grpSpPr>
+        <a:xfrm>
+          <a:off x="0" y="0"/>
+          <a:ext cx="0" cy="0"/>
+          <a:chOff x="0" y="0"/>
+          <a:chExt cx="0" cy="0"/>
+        </a:xfrm>
+      </p:grpSpPr>
+      <p:sp>
+        <p:nvSpPr>
+          <p:cNvPr id="5" name="Rectangle: Rounded Corners 4">
+            <a:extLst>
+              <a:ext uri="{FF2B5EF4-FFF2-40B4-BE49-F238E27FC236}">
+                <a16:creationId xmlns:a16="http://schemas.microsoft.com/office/drawing/2014/main" id="{C61D1866-1F1C-58D4-8EE0-3E2607F02588}"/>
+              </a:ext>
+            </a:extLst>
+          </p:cNvPr>
+          <p:cNvSpPr/>
+          <p:nvPr/>
+        </p:nvSpPr>
+        <p:spPr>
+          <a:xfrm>
+            <a:off x="745430" y="304299"/>
+            <a:ext cx="1679713" cy="824949"/>
+          </a:xfrm>
+          <a:prstGeom prst="roundRect">
+            <a:avLst/>
+          </a:prstGeom>
+        </p:spPr>
+        <p:style>
+          <a:lnRef idx="2">
+            <a:schemeClr val="accent1">
+              <a:shade val="15000"/>
+            </a:schemeClr>
+          </a:lnRef>
+          <a:fillRef idx="1">
+            <a:schemeClr val="accent1"/>
+          </a:fillRef>
+          <a:effectRef idx="0">
+            <a:schemeClr val="accent1"/>
+          </a:effectRef>
+          <a:fontRef idx="minor">
+            <a:schemeClr val="lt1"/>
+          </a:fontRef>
+        </p:style>
+        <p:txBody>
+          <a:bodyPr rtlCol="0" anchor="ctr"/>
+          <a:lstStyle/>
+          <a:p>
+            <a:pPr algn="ctr"/>
+            <a:r>
+              <a:rPr lang="en-IN" sz="1600" dirty="0"/>
+              <a:t>Customer Segmentation Analysis</a:t>
+            </a:r>
+          </a:p>
+        </p:txBody>
+      </p:sp>
+      <p:sp>
+        <p:nvSpPr>
+          <p:cNvPr id="6" name="Rectangle: Rounded Corners 5">
+            <a:extLst>
+              <a:ext uri="{FF2B5EF4-FFF2-40B4-BE49-F238E27FC236}">
+                <a16:creationId xmlns:a16="http://schemas.microsoft.com/office/drawing/2014/main" id="{3F0A8F5E-983C-3EC8-A538-AFCB870F2F7C}"/>
+              </a:ext>
+            </a:extLst>
+          </p:cNvPr>
+          <p:cNvSpPr/>
+          <p:nvPr/>
+        </p:nvSpPr>
+        <p:spPr>
+          <a:xfrm>
+            <a:off x="2633867" y="148641"/>
+            <a:ext cx="8945217" cy="1405840"/>
+          </a:xfrm>
+          <a:prstGeom prst="roundRect">
+            <a:avLst/>
+          </a:prstGeom>
+          <a:ln>
+            <a:noFill/>
+          </a:ln>
+          <a:effectLst>
+            <a:outerShdw blurRad="149987" dist="250190" dir="8460000" algn="ctr">
+              <a:srgbClr val="000000">
+                <a:alpha val="28000"/>
+              </a:srgbClr>
+            </a:outerShdw>
+          </a:effectLst>
+          <a:scene3d>
+            <a:camera prst="orthographicFront">
+              <a:rot lat="0" lon="0" rev="0"/>
+            </a:camera>
+            <a:lightRig rig="contrasting" dir="t">
+              <a:rot lat="0" lon="0" rev="1500000"/>
+            </a:lightRig>
+          </a:scene3d>
+          <a:sp3d prstMaterial="metal">
+            <a:bevelT w="88900" h="88900"/>
+          </a:sp3d>
+        </p:spPr>
+        <p:style>
+          <a:lnRef idx="2">
+            <a:schemeClr val="accent1"/>
+          </a:lnRef>
+          <a:fillRef idx="1">
+            <a:schemeClr val="lt1"/>
+          </a:fillRef>
+          <a:effectRef idx="0">
+            <a:schemeClr val="accent1"/>
+          </a:effectRef>
+          <a:fontRef idx="minor">
+            <a:schemeClr val="dk1"/>
+          </a:fontRef>
+        </p:style>
+        <p:txBody>
+          <a:bodyPr rtlCol="0" anchor="ctr"/>
+          <a:lstStyle/>
+          <a:p>
+            <a:pPr marL="285750" indent="-285750">
+              <a:buFont typeface="Arial" panose="020B0604020202020204" pitchFamily="34" charset="0"/>
+              <a:buChar char="•"/>
+            </a:pPr>
+            <a:r>
+              <a:rPr lang="en-IN" sz="1400" dirty="0"/>
+              <a:t>Examine the Customers based on the demographics like gender, Age, nationality which people actively take Rent  and Preference of films</a:t>
+            </a:r>
+          </a:p>
+          <a:p>
+            <a:pPr marL="285750" indent="-285750">
+              <a:buFont typeface="Arial" panose="020B0604020202020204" pitchFamily="34" charset="0"/>
+              <a:buChar char="•"/>
+            </a:pPr>
+            <a:r>
+              <a:rPr lang="en-IN" sz="1400" dirty="0"/>
+              <a:t>Analyse the customer based on the categories of films and ratings of films</a:t>
+            </a:r>
+          </a:p>
+          <a:p>
+            <a:pPr marL="285750" indent="-285750">
+              <a:buFont typeface="Arial" panose="020B0604020202020204" pitchFamily="34" charset="0"/>
+              <a:buChar char="•"/>
+            </a:pPr>
+            <a:r>
+              <a:rPr lang="en-IN" sz="1400" dirty="0"/>
+              <a:t>Calculate the revenue based on the customers like average revenue , and average day take rent for each film per each customer and average rents taken by each customer</a:t>
+            </a:r>
+          </a:p>
+          <a:p>
+            <a:pPr marL="285750" indent="-285750">
+              <a:buFont typeface="Arial" panose="020B0604020202020204" pitchFamily="34" charset="0"/>
+              <a:buChar char="•"/>
+            </a:pPr>
+            <a:r>
+              <a:rPr lang="en-IN" sz="1400" dirty="0"/>
+              <a:t>Analyse the revisited customers because revisited customers are assets to business</a:t>
+            </a:r>
+          </a:p>
+        </p:txBody>
+      </p:sp>
+      <p:sp>
+        <p:nvSpPr>
+          <p:cNvPr id="7" name="Rectangle: Rounded Corners 6">
+            <a:extLst>
+              <a:ext uri="{FF2B5EF4-FFF2-40B4-BE49-F238E27FC236}">
+                <a16:creationId xmlns:a16="http://schemas.microsoft.com/office/drawing/2014/main" id="{FEFC1236-D624-8CB2-459F-78C67C9ED453}"/>
+              </a:ext>
+            </a:extLst>
+          </p:cNvPr>
+          <p:cNvSpPr/>
+          <p:nvPr/>
+        </p:nvSpPr>
+        <p:spPr>
+          <a:xfrm>
+            <a:off x="745429" y="1821926"/>
+            <a:ext cx="1679713" cy="824949"/>
+          </a:xfrm>
+          <a:prstGeom prst="roundRect">
+            <a:avLst/>
+          </a:prstGeom>
+        </p:spPr>
+        <p:style>
+          <a:lnRef idx="2">
+            <a:schemeClr val="accent1">
+              <a:shade val="15000"/>
+            </a:schemeClr>
+          </a:lnRef>
+          <a:fillRef idx="1">
+            <a:schemeClr val="accent1"/>
+          </a:fillRef>
+          <a:effectRef idx="0">
+            <a:schemeClr val="accent1"/>
+          </a:effectRef>
+          <a:fontRef idx="minor">
+            <a:schemeClr val="lt1"/>
+          </a:fontRef>
+        </p:style>
+        <p:txBody>
+          <a:bodyPr rtlCol="0" anchor="ctr"/>
+          <a:lstStyle/>
+          <a:p>
+            <a:pPr algn="ctr"/>
+            <a:r>
+              <a:rPr lang="en-IN" sz="1600" dirty="0"/>
+              <a:t>Rental Trend and film Analysis</a:t>
+            </a:r>
+          </a:p>
+        </p:txBody>
+      </p:sp>
+      <p:sp>
+        <p:nvSpPr>
+          <p:cNvPr id="8" name="Rectangle: Rounded Corners 7">
+            <a:extLst>
+              <a:ext uri="{FF2B5EF4-FFF2-40B4-BE49-F238E27FC236}">
+                <a16:creationId xmlns:a16="http://schemas.microsoft.com/office/drawing/2014/main" id="{EF3EAA81-3AF9-4C1E-394B-E4E99B9F2F85}"/>
+              </a:ext>
+            </a:extLst>
+          </p:cNvPr>
+          <p:cNvSpPr/>
+          <p:nvPr/>
+        </p:nvSpPr>
+        <p:spPr>
+          <a:xfrm>
+            <a:off x="2633865" y="1882807"/>
+            <a:ext cx="8945217" cy="934720"/>
+          </a:xfrm>
+          <a:prstGeom prst="roundRect">
+            <a:avLst/>
+          </a:prstGeom>
+          <a:ln>
+            <a:noFill/>
+          </a:ln>
+          <a:effectLst>
+            <a:outerShdw blurRad="149987" dist="250190" dir="8460000" algn="ctr">
+              <a:srgbClr val="000000">
+                <a:alpha val="28000"/>
+              </a:srgbClr>
+            </a:outerShdw>
+          </a:effectLst>
+          <a:scene3d>
+            <a:camera prst="orthographicFront">
+              <a:rot lat="0" lon="0" rev="0"/>
+            </a:camera>
+            <a:lightRig rig="contrasting" dir="t">
+              <a:rot lat="0" lon="0" rev="1500000"/>
+            </a:lightRig>
+          </a:scene3d>
+          <a:sp3d prstMaterial="metal">
+            <a:bevelT w="88900" h="88900"/>
+          </a:sp3d>
+        </p:spPr>
+        <p:style>
+          <a:lnRef idx="2">
+            <a:schemeClr val="accent1"/>
+          </a:lnRef>
+          <a:fillRef idx="1">
+            <a:schemeClr val="lt1"/>
+          </a:fillRef>
+          <a:effectRef idx="0">
+            <a:schemeClr val="accent1"/>
+          </a:effectRef>
+          <a:fontRef idx="minor">
+            <a:schemeClr val="dk1"/>
+          </a:fontRef>
+        </p:style>
+        <p:txBody>
+          <a:bodyPr rtlCol="0" anchor="ctr"/>
+          <a:lstStyle/>
+          <a:p>
+            <a:pPr marL="285750" indent="-285750">
+              <a:buFont typeface="Arial" panose="020B0604020202020204" pitchFamily="34" charset="0"/>
+              <a:buChar char="•"/>
+            </a:pPr>
+            <a:r>
+              <a:rPr lang="en-IN" sz="1400" dirty="0"/>
+              <a:t>Analyse the Rental based on seasonal trends and  peak periods like weekdays or weekends </a:t>
+            </a:r>
+          </a:p>
+          <a:p>
+            <a:pPr marL="285750" indent="-285750">
+              <a:buFont typeface="Arial" panose="020B0604020202020204" pitchFamily="34" charset="0"/>
+              <a:buChar char="•"/>
+            </a:pPr>
+            <a:r>
+              <a:rPr lang="en-IN" sz="1400" dirty="0"/>
+              <a:t>Analyse the films count based on monthly wise and yearly wise and compare the movies by category</a:t>
+            </a:r>
+          </a:p>
+          <a:p>
+            <a:pPr marL="285750" indent="-285750">
+              <a:buFont typeface="Arial" panose="020B0604020202020204" pitchFamily="34" charset="0"/>
+              <a:buChar char="•"/>
+            </a:pPr>
+            <a:r>
+              <a:rPr lang="en-IN" sz="1400" dirty="0"/>
+              <a:t> Calculate the revenue based on the monthly basis  and average revenue  per month </a:t>
+            </a:r>
+          </a:p>
+          <a:p>
+            <a:pPr marL="285750" indent="-285750">
+              <a:buFont typeface="Arial" panose="020B0604020202020204" pitchFamily="34" charset="0"/>
+              <a:buChar char="•"/>
+            </a:pPr>
+            <a:r>
+              <a:rPr lang="en-IN" sz="1400" dirty="0"/>
+              <a:t>We have to examine the films by the actors </a:t>
+            </a:r>
+          </a:p>
+        </p:txBody>
+      </p:sp>
+      <p:sp>
+        <p:nvSpPr>
+          <p:cNvPr id="9" name="Rectangle: Rounded Corners 8">
+            <a:extLst>
+              <a:ext uri="{FF2B5EF4-FFF2-40B4-BE49-F238E27FC236}">
+                <a16:creationId xmlns:a16="http://schemas.microsoft.com/office/drawing/2014/main" id="{E3DFDBD6-E4D3-2AF1-52AD-93E6E99DC772}"/>
+              </a:ext>
+            </a:extLst>
+          </p:cNvPr>
+          <p:cNvSpPr/>
+          <p:nvPr/>
+        </p:nvSpPr>
+        <p:spPr>
+          <a:xfrm>
+            <a:off x="745430" y="3006754"/>
+            <a:ext cx="1679713" cy="824949"/>
+          </a:xfrm>
+          <a:prstGeom prst="roundRect">
+            <a:avLst/>
+          </a:prstGeom>
+        </p:spPr>
+        <p:style>
+          <a:lnRef idx="2">
+            <a:schemeClr val="accent1">
+              <a:shade val="15000"/>
+            </a:schemeClr>
+          </a:lnRef>
+          <a:fillRef idx="1">
+            <a:schemeClr val="accent1"/>
+          </a:fillRef>
+          <a:effectRef idx="0">
+            <a:schemeClr val="accent1"/>
+          </a:effectRef>
+          <a:fontRef idx="minor">
+            <a:schemeClr val="lt1"/>
+          </a:fontRef>
+        </p:style>
+        <p:txBody>
+          <a:bodyPr rtlCol="0" anchor="ctr"/>
+          <a:lstStyle/>
+          <a:p>
+            <a:pPr algn="ctr"/>
+            <a:r>
+              <a:rPr lang="en-IN" sz="1600" dirty="0"/>
+              <a:t>Geographical Analysis</a:t>
+            </a:r>
+          </a:p>
+        </p:txBody>
+      </p:sp>
+      <p:sp>
+        <p:nvSpPr>
+          <p:cNvPr id="10" name="Rectangle: Rounded Corners 9">
+            <a:extLst>
+              <a:ext uri="{FF2B5EF4-FFF2-40B4-BE49-F238E27FC236}">
+                <a16:creationId xmlns:a16="http://schemas.microsoft.com/office/drawing/2014/main" id="{8E9A8860-7C62-6EC3-87C5-2BCFAAD10230}"/>
+              </a:ext>
+            </a:extLst>
+          </p:cNvPr>
+          <p:cNvSpPr/>
+          <p:nvPr/>
+        </p:nvSpPr>
+        <p:spPr>
+          <a:xfrm>
+            <a:off x="2633866" y="3006754"/>
+            <a:ext cx="8945217" cy="1172817"/>
+          </a:xfrm>
+          <a:prstGeom prst="roundRect">
+            <a:avLst/>
+          </a:prstGeom>
+          <a:ln>
+            <a:noFill/>
+          </a:ln>
+          <a:effectLst>
+            <a:outerShdw blurRad="149987" dist="250190" dir="8460000" algn="ctr">
+              <a:srgbClr val="000000">
+                <a:alpha val="28000"/>
+              </a:srgbClr>
+            </a:outerShdw>
+          </a:effectLst>
+          <a:scene3d>
+            <a:camera prst="orthographicFront">
+              <a:rot lat="0" lon="0" rev="0"/>
+            </a:camera>
+            <a:lightRig rig="contrasting" dir="t">
+              <a:rot lat="0" lon="0" rev="1500000"/>
+            </a:lightRig>
+          </a:scene3d>
+          <a:sp3d prstMaterial="metal">
+            <a:bevelT w="88900" h="88900"/>
+          </a:sp3d>
+        </p:spPr>
+        <p:style>
+          <a:lnRef idx="2">
+            <a:schemeClr val="accent1"/>
+          </a:lnRef>
+          <a:fillRef idx="1">
+            <a:schemeClr val="lt1"/>
+          </a:fillRef>
+          <a:effectRef idx="0">
+            <a:schemeClr val="accent1"/>
+          </a:effectRef>
+          <a:fontRef idx="minor">
+            <a:schemeClr val="dk1"/>
+          </a:fontRef>
+        </p:style>
+        <p:txBody>
+          <a:bodyPr rtlCol="0" anchor="ctr"/>
+          <a:lstStyle/>
+          <a:p>
+            <a:pPr marL="285750" indent="-285750">
+              <a:buFont typeface="Arial" panose="020B0604020202020204" pitchFamily="34" charset="0"/>
+              <a:buChar char="•"/>
+            </a:pPr>
+            <a:r>
+              <a:rPr lang="en-IN" sz="1400" dirty="0"/>
+              <a:t>Analyse the Rent of films based on regions or countries or cities</a:t>
+            </a:r>
+          </a:p>
+          <a:p>
+            <a:pPr marL="285750" indent="-285750">
+              <a:buFont typeface="Arial" panose="020B0604020202020204" pitchFamily="34" charset="0"/>
+              <a:buChar char="•"/>
+            </a:pPr>
+            <a:r>
+              <a:rPr lang="en-IN" sz="1400" dirty="0"/>
+              <a:t>Examine the films and customer and actors and store  distribution among the cities </a:t>
+            </a:r>
+          </a:p>
+          <a:p>
+            <a:pPr marL="285750" indent="-285750">
+              <a:buFont typeface="Arial" panose="020B0604020202020204" pitchFamily="34" charset="0"/>
+              <a:buChar char="•"/>
+            </a:pPr>
+            <a:r>
+              <a:rPr lang="en-IN" sz="1400" dirty="0"/>
+              <a:t>We have to find which category films are most  rented in  which cities  and examine the films on languages also</a:t>
+            </a:r>
+          </a:p>
+        </p:txBody>
+      </p:sp>
+      <p:sp>
+        <p:nvSpPr>
+          <p:cNvPr id="13" name="Rectangle: Rounded Corners 12">
+            <a:extLst>
+              <a:ext uri="{FF2B5EF4-FFF2-40B4-BE49-F238E27FC236}">
+                <a16:creationId xmlns:a16="http://schemas.microsoft.com/office/drawing/2014/main" id="{BAE0A797-1C18-5568-22EE-04052C5A1835}"/>
+              </a:ext>
+            </a:extLst>
+          </p:cNvPr>
+          <p:cNvSpPr/>
+          <p:nvPr/>
+        </p:nvSpPr>
+        <p:spPr>
+          <a:xfrm>
+            <a:off x="745430" y="4161516"/>
+            <a:ext cx="1679713" cy="824949"/>
+          </a:xfrm>
+          <a:prstGeom prst="roundRect">
+            <a:avLst/>
+          </a:prstGeom>
+        </p:spPr>
+        <p:style>
+          <a:lnRef idx="2">
+            <a:schemeClr val="accent1">
+              <a:shade val="15000"/>
+            </a:schemeClr>
+          </a:lnRef>
+          <a:fillRef idx="1">
+            <a:schemeClr val="accent1"/>
+          </a:fillRef>
+          <a:effectRef idx="0">
+            <a:schemeClr val="accent1"/>
+          </a:effectRef>
+          <a:fontRef idx="minor">
+            <a:schemeClr val="lt1"/>
+          </a:fontRef>
+        </p:style>
+        <p:txBody>
+          <a:bodyPr rtlCol="0" anchor="ctr"/>
+          <a:lstStyle/>
+          <a:p>
+            <a:pPr algn="ctr"/>
+            <a:r>
+              <a:rPr lang="en-IN" sz="1600" dirty="0"/>
+              <a:t>Staff Performance Analysis</a:t>
+            </a:r>
+          </a:p>
+        </p:txBody>
+      </p:sp>
+      <p:sp>
+        <p:nvSpPr>
+          <p:cNvPr id="14" name="Rectangle: Rounded Corners 13">
+            <a:extLst>
+              <a:ext uri="{FF2B5EF4-FFF2-40B4-BE49-F238E27FC236}">
+                <a16:creationId xmlns:a16="http://schemas.microsoft.com/office/drawing/2014/main" id="{41D348E8-FA7C-1A2C-FCC4-B0721F76D93E}"/>
+              </a:ext>
+            </a:extLst>
+          </p:cNvPr>
+          <p:cNvSpPr/>
+          <p:nvPr/>
+        </p:nvSpPr>
+        <p:spPr>
+          <a:xfrm>
+            <a:off x="2633866" y="4368798"/>
+            <a:ext cx="8945217" cy="824950"/>
+          </a:xfrm>
+          <a:prstGeom prst="roundRect">
+            <a:avLst/>
+          </a:prstGeom>
+          <a:ln>
+            <a:noFill/>
+          </a:ln>
+          <a:effectLst>
+            <a:outerShdw blurRad="149987" dist="250190" dir="8460000" algn="ctr">
+              <a:srgbClr val="000000">
+                <a:alpha val="28000"/>
+              </a:srgbClr>
+            </a:outerShdw>
+          </a:effectLst>
+          <a:scene3d>
+            <a:camera prst="orthographicFront">
+              <a:rot lat="0" lon="0" rev="0"/>
+            </a:camera>
+            <a:lightRig rig="contrasting" dir="t">
+              <a:rot lat="0" lon="0" rev="1500000"/>
+            </a:lightRig>
+          </a:scene3d>
+          <a:sp3d prstMaterial="metal">
+            <a:bevelT w="88900" h="88900"/>
+          </a:sp3d>
+        </p:spPr>
+        <p:style>
+          <a:lnRef idx="2">
+            <a:schemeClr val="accent1"/>
+          </a:lnRef>
+          <a:fillRef idx="1">
+            <a:schemeClr val="lt1"/>
+          </a:fillRef>
+          <a:effectRef idx="0">
+            <a:schemeClr val="accent1"/>
+          </a:effectRef>
+          <a:fontRef idx="minor">
+            <a:schemeClr val="dk1"/>
+          </a:fontRef>
+        </p:style>
+        <p:txBody>
+          <a:bodyPr rtlCol="0" anchor="ctr"/>
+          <a:lstStyle/>
+          <a:p>
+            <a:pPr marL="285750" indent="-285750">
+              <a:buFont typeface="Arial" panose="020B0604020202020204" pitchFamily="34" charset="0"/>
+              <a:buChar char="•"/>
+            </a:pPr>
+            <a:r>
+              <a:rPr lang="en-IN" sz="1400" dirty="0"/>
+              <a:t>Analyse the performance of employee </a:t>
+            </a:r>
+          </a:p>
+          <a:p>
+            <a:pPr marL="285750" indent="-285750">
+              <a:buFont typeface="Arial" panose="020B0604020202020204" pitchFamily="34" charset="0"/>
+              <a:buChar char="•"/>
+            </a:pPr>
+            <a:r>
+              <a:rPr lang="en-IN" sz="1400" dirty="0"/>
+              <a:t>Examine the rents count  per each employee </a:t>
+            </a:r>
+          </a:p>
+          <a:p>
+            <a:pPr marL="285750" indent="-285750">
+              <a:buFont typeface="Arial" panose="020B0604020202020204" pitchFamily="34" charset="0"/>
+              <a:buChar char="•"/>
+            </a:pPr>
+            <a:r>
+              <a:rPr lang="en-IN" sz="1400" dirty="0"/>
+              <a:t>We have to analyse the staff how they maintain inventory and store and behaviour with customer </a:t>
+            </a:r>
+          </a:p>
+        </p:txBody>
+      </p:sp>
+      <p:sp>
+        <p:nvSpPr>
+          <p:cNvPr id="2" name="Rectangle: Rounded Corners 1">
+            <a:extLst>
+              <a:ext uri="{FF2B5EF4-FFF2-40B4-BE49-F238E27FC236}">
+                <a16:creationId xmlns:a16="http://schemas.microsoft.com/office/drawing/2014/main" id="{C12D7EEE-C702-66F5-36D5-2D6A154A33CA}"/>
+              </a:ext>
+            </a:extLst>
+          </p:cNvPr>
+          <p:cNvSpPr/>
+          <p:nvPr/>
+        </p:nvSpPr>
+        <p:spPr>
+          <a:xfrm>
+            <a:off x="745430" y="5303519"/>
+            <a:ext cx="1679713" cy="1060893"/>
+          </a:xfrm>
+          <a:prstGeom prst="roundRect">
+            <a:avLst/>
+          </a:prstGeom>
+        </p:spPr>
+        <p:style>
+          <a:lnRef idx="2">
+            <a:schemeClr val="accent1">
+              <a:shade val="15000"/>
+            </a:schemeClr>
+          </a:lnRef>
+          <a:fillRef idx="1">
+            <a:schemeClr val="accent1"/>
+          </a:fillRef>
+          <a:effectRef idx="0">
+            <a:schemeClr val="accent1"/>
+          </a:effectRef>
+          <a:fontRef idx="minor">
+            <a:schemeClr val="lt1"/>
+          </a:fontRef>
+        </p:style>
+        <p:txBody>
+          <a:bodyPr rtlCol="0" anchor="ctr"/>
+          <a:lstStyle/>
+          <a:p>
+            <a:pPr algn="ctr"/>
+            <a:r>
+              <a:rPr lang="en-IN" sz="1600" dirty="0"/>
+              <a:t>Store and Inventory Performance Analysis</a:t>
+            </a:r>
+          </a:p>
+        </p:txBody>
+      </p:sp>
+      <p:sp>
+        <p:nvSpPr>
+          <p:cNvPr id="3" name="Rectangle: Rounded Corners 2">
+            <a:extLst>
+              <a:ext uri="{FF2B5EF4-FFF2-40B4-BE49-F238E27FC236}">
+                <a16:creationId xmlns:a16="http://schemas.microsoft.com/office/drawing/2014/main" id="{E393825D-BAE7-9960-E352-4C53191BA191}"/>
+              </a:ext>
+            </a:extLst>
+          </p:cNvPr>
+          <p:cNvSpPr/>
+          <p:nvPr/>
+        </p:nvSpPr>
+        <p:spPr>
+          <a:xfrm>
+            <a:off x="2633867" y="5303519"/>
+            <a:ext cx="8945217" cy="960844"/>
+          </a:xfrm>
+          <a:prstGeom prst="roundRect">
+            <a:avLst/>
+          </a:prstGeom>
+          <a:ln>
+            <a:noFill/>
+          </a:ln>
+          <a:effectLst>
+            <a:outerShdw blurRad="149987" dist="250190" dir="8460000" algn="ctr">
+              <a:srgbClr val="000000">
+                <a:alpha val="28000"/>
+              </a:srgbClr>
+            </a:outerShdw>
+          </a:effectLst>
+          <a:scene3d>
+            <a:camera prst="orthographicFront">
+              <a:rot lat="0" lon="0" rev="0"/>
+            </a:camera>
+            <a:lightRig rig="contrasting" dir="t">
+              <a:rot lat="0" lon="0" rev="1500000"/>
+            </a:lightRig>
+          </a:scene3d>
+          <a:sp3d prstMaterial="metal">
+            <a:bevelT w="88900" h="88900"/>
+          </a:sp3d>
+        </p:spPr>
+        <p:style>
+          <a:lnRef idx="2">
+            <a:schemeClr val="accent1"/>
+          </a:lnRef>
+          <a:fillRef idx="1">
+            <a:schemeClr val="lt1"/>
+          </a:fillRef>
+          <a:effectRef idx="0">
+            <a:schemeClr val="accent1"/>
+          </a:effectRef>
+          <a:fontRef idx="minor">
+            <a:schemeClr val="dk1"/>
+          </a:fontRef>
+        </p:style>
+        <p:txBody>
+          <a:bodyPr rtlCol="0" anchor="ctr"/>
+          <a:lstStyle/>
+          <a:p>
+            <a:pPr marL="285750" indent="-285750">
+              <a:buFont typeface="Arial" panose="020B0604020202020204" pitchFamily="34" charset="0"/>
+              <a:buChar char="•"/>
+            </a:pPr>
+            <a:r>
+              <a:rPr lang="en-IN" sz="1400" dirty="0"/>
+              <a:t>Compare the store Performance by the revenue </a:t>
+            </a:r>
+          </a:p>
+          <a:p>
+            <a:pPr marL="285750" indent="-285750">
+              <a:buFont typeface="Arial" panose="020B0604020202020204" pitchFamily="34" charset="0"/>
+              <a:buChar char="•"/>
+            </a:pPr>
+            <a:r>
+              <a:rPr lang="en-IN" sz="1400" dirty="0"/>
+              <a:t>Analyse the stock of films copies per each store </a:t>
+            </a:r>
+          </a:p>
+          <a:p>
+            <a:pPr marL="285750" indent="-285750">
+              <a:buFont typeface="Arial" panose="020B0604020202020204" pitchFamily="34" charset="0"/>
+              <a:buChar char="•"/>
+            </a:pPr>
+            <a:r>
+              <a:rPr lang="en-IN" sz="1400" dirty="0"/>
+              <a:t>Investigating stores  </a:t>
+            </a:r>
+          </a:p>
+        </p:txBody>
+      </p:sp>
+    </p:spTree>
+    <p:extLst>
+      <p:ext uri="{BB962C8B-B14F-4D97-AF65-F5344CB8AC3E}">
+        <p14:creationId xmlns:p14="http://schemas.microsoft.com/office/powerpoint/2010/main" val="4220243061"/>
       </p:ext>
     </p:extLst>
   </p:cSld>
